--- a/Presentation1.pptx
+++ b/Presentation1.pptx
@@ -9,10 +9,13 @@
     <p:sldId id="258" r:id="rId3"/>
     <p:sldId id="257" r:id="rId4"/>
     <p:sldId id="259" r:id="rId5"/>
-    <p:sldId id="262" r:id="rId6"/>
-    <p:sldId id="260" r:id="rId7"/>
-    <p:sldId id="263" r:id="rId8"/>
-    <p:sldId id="261" r:id="rId9"/>
+    <p:sldId id="260" r:id="rId6"/>
+    <p:sldId id="263" r:id="rId7"/>
+    <p:sldId id="268" r:id="rId8"/>
+    <p:sldId id="267" r:id="rId9"/>
+    <p:sldId id="261" r:id="rId10"/>
+    <p:sldId id="262" r:id="rId11"/>
+    <p:sldId id="264" r:id="rId12"/>
   </p:sldIdLst>
   <p:sldSz cx="12192000" cy="6858000"/>
   <p:notesSz cx="6858000" cy="9144000"/>
@@ -266,7 +269,7 @@
           <a:p>
             <a:fld id="{B54E846D-8118-684D-84AC-93EEFFFC4C2A}" type="datetimeFigureOut">
               <a:rPr lang="en-US" smtClean="0"/>
-              <a:t>7/1/18</a:t>
+              <a:t>7/2/18</a:t>
             </a:fld>
             <a:endParaRPr lang="en-US"/>
           </a:p>
@@ -464,7 +467,7 @@
           <a:p>
             <a:fld id="{B54E846D-8118-684D-84AC-93EEFFFC4C2A}" type="datetimeFigureOut">
               <a:rPr lang="en-US" smtClean="0"/>
-              <a:t>7/1/18</a:t>
+              <a:t>7/2/18</a:t>
             </a:fld>
             <a:endParaRPr lang="en-US"/>
           </a:p>
@@ -672,7 +675,7 @@
           <a:p>
             <a:fld id="{B54E846D-8118-684D-84AC-93EEFFFC4C2A}" type="datetimeFigureOut">
               <a:rPr lang="en-US" smtClean="0"/>
-              <a:t>7/1/18</a:t>
+              <a:t>7/2/18</a:t>
             </a:fld>
             <a:endParaRPr lang="en-US"/>
           </a:p>
@@ -870,7 +873,7 @@
           <a:p>
             <a:fld id="{B54E846D-8118-684D-84AC-93EEFFFC4C2A}" type="datetimeFigureOut">
               <a:rPr lang="en-US" smtClean="0"/>
-              <a:t>7/1/18</a:t>
+              <a:t>7/2/18</a:t>
             </a:fld>
             <a:endParaRPr lang="en-US"/>
           </a:p>
@@ -1145,7 +1148,7 @@
           <a:p>
             <a:fld id="{B54E846D-8118-684D-84AC-93EEFFFC4C2A}" type="datetimeFigureOut">
               <a:rPr lang="en-US" smtClean="0"/>
-              <a:t>7/1/18</a:t>
+              <a:t>7/2/18</a:t>
             </a:fld>
             <a:endParaRPr lang="en-US"/>
           </a:p>
@@ -1410,7 +1413,7 @@
           <a:p>
             <a:fld id="{B54E846D-8118-684D-84AC-93EEFFFC4C2A}" type="datetimeFigureOut">
               <a:rPr lang="en-US" smtClean="0"/>
-              <a:t>7/1/18</a:t>
+              <a:t>7/2/18</a:t>
             </a:fld>
             <a:endParaRPr lang="en-US"/>
           </a:p>
@@ -1822,7 +1825,7 @@
           <a:p>
             <a:fld id="{B54E846D-8118-684D-84AC-93EEFFFC4C2A}" type="datetimeFigureOut">
               <a:rPr lang="en-US" smtClean="0"/>
-              <a:t>7/1/18</a:t>
+              <a:t>7/2/18</a:t>
             </a:fld>
             <a:endParaRPr lang="en-US"/>
           </a:p>
@@ -1963,7 +1966,7 @@
           <a:p>
             <a:fld id="{B54E846D-8118-684D-84AC-93EEFFFC4C2A}" type="datetimeFigureOut">
               <a:rPr lang="en-US" smtClean="0"/>
-              <a:t>7/1/18</a:t>
+              <a:t>7/2/18</a:t>
             </a:fld>
             <a:endParaRPr lang="en-US"/>
           </a:p>
@@ -2076,7 +2079,7 @@
           <a:p>
             <a:fld id="{B54E846D-8118-684D-84AC-93EEFFFC4C2A}" type="datetimeFigureOut">
               <a:rPr lang="en-US" smtClean="0"/>
-              <a:t>7/1/18</a:t>
+              <a:t>7/2/18</a:t>
             </a:fld>
             <a:endParaRPr lang="en-US"/>
           </a:p>
@@ -2387,7 +2390,7 @@
           <a:p>
             <a:fld id="{B54E846D-8118-684D-84AC-93EEFFFC4C2A}" type="datetimeFigureOut">
               <a:rPr lang="en-US" smtClean="0"/>
-              <a:t>7/1/18</a:t>
+              <a:t>7/2/18</a:t>
             </a:fld>
             <a:endParaRPr lang="en-US"/>
           </a:p>
@@ -2675,7 +2678,7 @@
           <a:p>
             <a:fld id="{B54E846D-8118-684D-84AC-93EEFFFC4C2A}" type="datetimeFigureOut">
               <a:rPr lang="en-US" smtClean="0"/>
-              <a:t>7/1/18</a:t>
+              <a:t>7/2/18</a:t>
             </a:fld>
             <a:endParaRPr lang="en-US"/>
           </a:p>
@@ -2916,7 +2919,7 @@
           <a:p>
             <a:fld id="{B54E846D-8118-684D-84AC-93EEFFFC4C2A}" type="datetimeFigureOut">
               <a:rPr lang="en-US" smtClean="0"/>
-              <a:t>7/1/18</a:t>
+              <a:t>7/2/18</a:t>
             </a:fld>
             <a:endParaRPr lang="en-US"/>
           </a:p>
@@ -3369,10 +3372,10 @@
       </p:sp>
       <p:sp>
         <p:nvSpPr>
-          <p:cNvPr id="3" name="Subtitle 2">
-            <a:extLst>
-              <a:ext uri="{FF2B5EF4-FFF2-40B4-BE49-F238E27FC236}">
-                <a16:creationId xmlns:a16="http://schemas.microsoft.com/office/drawing/2014/main" id="{9D966A69-DEDE-2941-9B3C-9B1662942EC2}"/>
+          <p:cNvPr id="5" name="Subtitle 4">
+            <a:extLst>
+              <a:ext uri="{FF2B5EF4-FFF2-40B4-BE49-F238E27FC236}">
+                <a16:creationId xmlns:a16="http://schemas.microsoft.com/office/drawing/2014/main" id="{8B7037E1-39BF-2A45-9AF6-C26376503488}"/>
               </a:ext>
             </a:extLst>
           </p:cNvPr>
@@ -3383,20 +3386,17 @@
             <p:ph type="subTitle" idx="1"/>
           </p:nvPr>
         </p:nvSpPr>
-        <p:spPr/>
-        <p:txBody>
-          <a:bodyPr/>
-          <a:lstStyle/>
-          <a:p>
-            <a:pPr algn="l"/>
-            <a:endParaRPr lang="en-US" dirty="0"/>
-          </a:p>
-          <a:p>
-            <a:pPr algn="l"/>
-            <a:r>
-              <a:rPr lang="en-US" dirty="0"/>
-              <a:t>by Frankie Mak</a:t>
-            </a:r>
+        <p:spPr>
+          <a:xfrm>
+            <a:off x="1524000" y="3602038"/>
+            <a:ext cx="9144000" cy="1655762"/>
+          </a:xfrm>
+        </p:spPr>
+        <p:txBody>
+          <a:bodyPr/>
+          <a:lstStyle/>
+          <a:p>
+            <a:endParaRPr lang="en-US"/>
           </a:p>
         </p:txBody>
       </p:sp>
@@ -3404,6 +3404,179 @@
     <p:extLst>
       <p:ext uri="{BB962C8B-B14F-4D97-AF65-F5344CB8AC3E}">
         <p14:creationId xmlns:p14="http://schemas.microsoft.com/office/powerpoint/2010/main" val="3371311539"/>
+      </p:ext>
+    </p:extLst>
+  </p:cSld>
+  <p:clrMapOvr>
+    <a:masterClrMapping/>
+  </p:clrMapOvr>
+</p:sld>
+</file>
+
+<file path=ppt/slides/slide10.xml><?xml version="1.0" encoding="utf-8"?>
+<p:sld xmlns:a="http://schemas.openxmlformats.org/drawingml/2006/main" xmlns:r="http://schemas.openxmlformats.org/officeDocument/2006/relationships" xmlns:p="http://schemas.openxmlformats.org/presentationml/2006/main">
+  <p:cSld>
+    <p:spTree>
+      <p:nvGrpSpPr>
+        <p:cNvPr id="1" name=""/>
+        <p:cNvGrpSpPr/>
+        <p:nvPr/>
+      </p:nvGrpSpPr>
+      <p:grpSpPr>
+        <a:xfrm>
+          <a:off x="0" y="0"/>
+          <a:ext cx="0" cy="0"/>
+          <a:chOff x="0" y="0"/>
+          <a:chExt cx="0" cy="0"/>
+        </a:xfrm>
+      </p:grpSpPr>
+      <p:sp>
+        <p:nvSpPr>
+          <p:cNvPr id="2" name="Title 1">
+            <a:extLst>
+              <a:ext uri="{FF2B5EF4-FFF2-40B4-BE49-F238E27FC236}">
+                <a16:creationId xmlns:a16="http://schemas.microsoft.com/office/drawing/2014/main" id="{8E2F31EB-6EFA-4D4E-B2CE-86C36550C8C4}"/>
+              </a:ext>
+            </a:extLst>
+          </p:cNvPr>
+          <p:cNvSpPr>
+            <a:spLocks noGrp="1"/>
+          </p:cNvSpPr>
+          <p:nvPr>
+            <p:ph type="ctrTitle"/>
+          </p:nvPr>
+        </p:nvSpPr>
+        <p:spPr/>
+        <p:txBody>
+          <a:bodyPr>
+            <a:normAutofit fontScale="90000"/>
+          </a:bodyPr>
+          <a:lstStyle/>
+          <a:p>
+            <a:pPr algn="l"/>
+            <a:r>
+              <a:rPr lang="en-US" dirty="0">
+                <a:solidFill>
+                  <a:srgbClr val="FF0000"/>
+                </a:solidFill>
+              </a:rPr>
+              <a:t>Proposed Solution – given the scenarios discussed, give proposed solution, such that IPS can handle</a:t>
+            </a:r>
+          </a:p>
+        </p:txBody>
+      </p:sp>
+      <p:sp>
+        <p:nvSpPr>
+          <p:cNvPr id="3" name="Subtitle 2">
+            <a:extLst>
+              <a:ext uri="{FF2B5EF4-FFF2-40B4-BE49-F238E27FC236}">
+                <a16:creationId xmlns:a16="http://schemas.microsoft.com/office/drawing/2014/main" id="{9D966A69-DEDE-2941-9B3C-9B1662942EC2}"/>
+              </a:ext>
+            </a:extLst>
+          </p:cNvPr>
+          <p:cNvSpPr>
+            <a:spLocks noGrp="1"/>
+          </p:cNvSpPr>
+          <p:nvPr>
+            <p:ph type="subTitle" idx="1"/>
+          </p:nvPr>
+        </p:nvSpPr>
+        <p:spPr/>
+        <p:txBody>
+          <a:bodyPr/>
+          <a:lstStyle/>
+          <a:p>
+            <a:pPr algn="l"/>
+            <a:endParaRPr lang="en-US" dirty="0"/>
+          </a:p>
+        </p:txBody>
+      </p:sp>
+    </p:spTree>
+    <p:extLst>
+      <p:ext uri="{BB962C8B-B14F-4D97-AF65-F5344CB8AC3E}">
+        <p14:creationId xmlns:p14="http://schemas.microsoft.com/office/powerpoint/2010/main" val="2324227421"/>
+      </p:ext>
+    </p:extLst>
+  </p:cSld>
+  <p:clrMapOvr>
+    <a:masterClrMapping/>
+  </p:clrMapOvr>
+</p:sld>
+</file>
+
+<file path=ppt/slides/slide11.xml><?xml version="1.0" encoding="utf-8"?>
+<p:sld xmlns:a="http://schemas.openxmlformats.org/drawingml/2006/main" xmlns:r="http://schemas.openxmlformats.org/officeDocument/2006/relationships" xmlns:p="http://schemas.openxmlformats.org/presentationml/2006/main">
+  <p:cSld>
+    <p:spTree>
+      <p:nvGrpSpPr>
+        <p:cNvPr id="1" name=""/>
+        <p:cNvGrpSpPr/>
+        <p:nvPr/>
+      </p:nvGrpSpPr>
+      <p:grpSpPr>
+        <a:xfrm>
+          <a:off x="0" y="0"/>
+          <a:ext cx="0" cy="0"/>
+          <a:chOff x="0" y="0"/>
+          <a:chExt cx="0" cy="0"/>
+        </a:xfrm>
+      </p:grpSpPr>
+      <p:sp>
+        <p:nvSpPr>
+          <p:cNvPr id="3" name="Subtitle 2">
+            <a:extLst>
+              <a:ext uri="{FF2B5EF4-FFF2-40B4-BE49-F238E27FC236}">
+                <a16:creationId xmlns:a16="http://schemas.microsoft.com/office/drawing/2014/main" id="{9D966A69-DEDE-2941-9B3C-9B1662942EC2}"/>
+              </a:ext>
+            </a:extLst>
+          </p:cNvPr>
+          <p:cNvSpPr>
+            <a:spLocks noGrp="1"/>
+          </p:cNvSpPr>
+          <p:nvPr>
+            <p:ph type="subTitle" idx="1"/>
+          </p:nvPr>
+        </p:nvSpPr>
+        <p:spPr>
+          <a:xfrm>
+            <a:off x="1524000" y="873303"/>
+            <a:ext cx="9144000" cy="4384497"/>
+          </a:xfrm>
+        </p:spPr>
+        <p:txBody>
+          <a:bodyPr/>
+          <a:lstStyle/>
+          <a:p>
+            <a:pPr algn="l"/>
+            <a:r>
+              <a:rPr lang="en-US" dirty="0"/>
+              <a:t>Enhancements to IPS</a:t>
+            </a:r>
+          </a:p>
+          <a:p>
+            <a:pPr algn="l"/>
+            <a:endParaRPr lang="en-US" dirty="0"/>
+          </a:p>
+          <a:p>
+            <a:pPr algn="l"/>
+            <a:r>
+              <a:rPr lang="en-US" dirty="0"/>
+              <a:t>1. Do not delete proposal records after 30 days.</a:t>
+            </a:r>
+          </a:p>
+          <a:p>
+            <a:pPr algn="l"/>
+            <a:r>
+              <a:rPr lang="en-US" dirty="0"/>
+              <a:t>2. </a:t>
+            </a:r>
+          </a:p>
+        </p:txBody>
+      </p:sp>
+    </p:spTree>
+    <p:extLst>
+      <p:ext uri="{BB962C8B-B14F-4D97-AF65-F5344CB8AC3E}">
+        <p14:creationId xmlns:p14="http://schemas.microsoft.com/office/powerpoint/2010/main" val="3420108116"/>
       </p:ext>
     </p:extLst>
   </p:cSld>
@@ -3475,7 +3648,12 @@
             <p:ph type="subTitle" idx="1"/>
           </p:nvPr>
         </p:nvSpPr>
-        <p:spPr/>
+        <p:spPr>
+          <a:xfrm>
+            <a:off x="1565096" y="3602038"/>
+            <a:ext cx="9144000" cy="1655762"/>
+          </a:xfrm>
+        </p:spPr>
         <p:txBody>
           <a:bodyPr/>
           <a:lstStyle/>
@@ -3483,8 +3661,40 @@
             <a:pPr algn="l"/>
             <a:r>
               <a:rPr lang="en-US" dirty="0"/>
-              <a:t>Given a quotation issued using a rate set, how shall IPS operate if the original rate set expired.</a:t>
-            </a:r>
+              <a:t>Given new rate sets are released and effective from time to time, IPS is unable to handle (assumption).  </a:t>
+            </a:r>
+          </a:p>
+        </p:txBody>
+      </p:sp>
+      <p:sp>
+        <p:nvSpPr>
+          <p:cNvPr id="4" name="TextBox 3">
+            <a:extLst>
+              <a:ext uri="{FF2B5EF4-FFF2-40B4-BE49-F238E27FC236}">
+                <a16:creationId xmlns:a16="http://schemas.microsoft.com/office/drawing/2014/main" id="{C62CA506-6E39-B944-80EF-80D22B1605B6}"/>
+              </a:ext>
+            </a:extLst>
+          </p:cNvPr>
+          <p:cNvSpPr txBox="1"/>
+          <p:nvPr/>
+        </p:nvSpPr>
+        <p:spPr>
+          <a:xfrm>
+            <a:off x="2619910" y="3750067"/>
+            <a:ext cx="184731" cy="369332"/>
+          </a:xfrm>
+          <a:prstGeom prst="rect">
+            <a:avLst/>
+          </a:prstGeom>
+          <a:noFill/>
+        </p:spPr>
+        <p:txBody>
+          <a:bodyPr wrap="none" rtlCol="0">
+            <a:spAutoFit/>
+          </a:bodyPr>
+          <a:lstStyle/>
+          <a:p>
+            <a:endParaRPr lang="en-US" dirty="0"/>
           </a:p>
         </p:txBody>
       </p:sp>
@@ -3542,27 +3752,16 @@
         </p:spPr>
         <p:txBody>
           <a:bodyPr>
-            <a:normAutofit fontScale="77500" lnSpcReduction="20000"/>
+            <a:normAutofit/>
           </a:bodyPr>
           <a:lstStyle/>
-          <a:p>
-            <a:pPr algn="l"/>
-            <a:r>
-              <a:rPr lang="en-US" sz="3400" dirty="0"/>
-              <a:t>A PowerPoint document that confirms the business requirement for the user stories, by providing the following:</a:t>
-            </a:r>
-          </a:p>
-          <a:p>
-            <a:pPr algn="l"/>
-            <a:endParaRPr lang="en-US" sz="3400" dirty="0"/>
-          </a:p>
           <a:p>
             <a:pPr marL="457200" indent="-457200" algn="l">
               <a:buAutoNum type="alphaLcPeriod"/>
             </a:pPr>
             <a:r>
               <a:rPr lang="en-US" sz="3400" dirty="0"/>
-              <a:t>Understanding of terms</a:t>
+              <a:t>Definitions</a:t>
             </a:r>
           </a:p>
           <a:p>
@@ -3571,7 +3770,7 @@
             </a:pPr>
             <a:r>
               <a:rPr lang="en-US" sz="3400" dirty="0"/>
-              <a:t>Scenarios</a:t>
+              <a:t>Scenarios (main)</a:t>
             </a:r>
           </a:p>
           <a:p>
@@ -3607,7 +3806,7 @@
         </p:nvSpPr>
         <p:spPr>
           <a:xfrm>
-            <a:off x="1524000" y="2137023"/>
+            <a:off x="1534274" y="2167845"/>
             <a:ext cx="9144000" cy="1013343"/>
           </a:xfrm>
           <a:prstGeom prst="rect">
@@ -3641,7 +3840,7 @@
             <a:pPr algn="l"/>
             <a:r>
               <a:rPr lang="en-US" b="1" dirty="0"/>
-              <a:t>Deliverable</a:t>
+              <a:t>Purpose</a:t>
             </a:r>
           </a:p>
         </p:txBody>
@@ -3706,8 +3905,8 @@
           <a:p>
             <a:pPr algn="l"/>
             <a:r>
-              <a:rPr lang="en-US" dirty="0"/>
-              <a:t>Terms</a:t>
+              <a:rPr lang="en-US" b="1" dirty="0"/>
+              <a:t>Definitions</a:t>
             </a:r>
           </a:p>
         </p:txBody>
@@ -3745,7 +3944,7 @@
             </a:pPr>
             <a:r>
               <a:rPr lang="en-US" dirty="0"/>
-              <a:t>Quotation date – the date that the customer is issued a proposal, which contains a quotation, the date of this quotation.</a:t>
+              <a:t>Proposal – is issued from the Insurance Proposal System (IPS) and each proposal contains a quotation of a policy.</a:t>
             </a:r>
           </a:p>
           <a:p>
@@ -3754,7 +3953,7 @@
             </a:pPr>
             <a:r>
               <a:rPr lang="en-US" dirty="0"/>
-              <a:t>Original Quotation – as per above, but refers to the initial proposal.</a:t>
+              <a:t>Quotation date – the date of the quotation in a proposal. For the rate used for a quotation, it is locked for 30 days (or 1 month?) meaning, if during the period, the customer returns to the branch, he/she could still be offered the proposal that was initially.</a:t>
             </a:r>
           </a:p>
           <a:p>
@@ -3763,7 +3962,7 @@
             </a:pPr>
             <a:r>
               <a:rPr lang="en-US" dirty="0"/>
-              <a:t>Proposal Date – The date which the a proposal is issued.</a:t>
+              <a:t>Each time a proposal is expired, the rate to be used for creating new proposal might change if the old rate set expired.</a:t>
             </a:r>
           </a:p>
           <a:p>
@@ -3771,26 +3970,18 @@
               <a:buAutoNum type="arabicPeriod"/>
             </a:pPr>
             <a:r>
-              <a:rPr lang="en-US" dirty="0"/>
-              <a:t>Original Proposal Date – as per above, but refers to the initial proposal.</a:t>
-            </a:r>
-          </a:p>
-          <a:p>
-            <a:pPr algn="l"/>
-            <a:endParaRPr lang="en-US" dirty="0"/>
-          </a:p>
-          <a:p>
-            <a:pPr algn="l"/>
-            <a:r>
-              <a:rPr lang="en-US" dirty="0"/>
-              <a:t>Does each time a proposal is expired, then the original quotation and proposal date renews in calculations.</a:t>
+              <a:rPr lang="en-US" i="1" dirty="0"/>
+              <a:t>What is a quotation – is it when the RM presses print and an illustration is generated then it is a quotation?</a:t>
             </a:r>
           </a:p>
           <a:p>
             <a:pPr marL="457200" indent="-457200" algn="l">
               <a:buAutoNum type="arabicPeriod"/>
             </a:pPr>
-            <a:endParaRPr lang="en-US" dirty="0"/>
+            <a:r>
+              <a:rPr lang="en-US" dirty="0"/>
+              <a:t>A rate set could be released but effective in a future date.</a:t>
+            </a:r>
           </a:p>
         </p:txBody>
       </p:sp>
@@ -3842,15 +4033,13 @@
         </p:nvSpPr>
         <p:spPr/>
         <p:txBody>
-          <a:bodyPr>
-            <a:normAutofit fontScale="90000"/>
-          </a:bodyPr>
+          <a:bodyPr/>
           <a:lstStyle/>
           <a:p>
             <a:pPr algn="l"/>
             <a:r>
-              <a:rPr lang="en-US" dirty="0"/>
-              <a:t>Proposed Solution – given the scenarios discussed, give proposed solution, such that IPS can handle</a:t>
+              <a:rPr lang="en-US" b="1" dirty="0"/>
+              <a:t>Scenarios (main)</a:t>
             </a:r>
           </a:p>
         </p:txBody>
@@ -3884,7 +4073,7 @@
     </p:spTree>
     <p:extLst>
       <p:ext uri="{BB962C8B-B14F-4D97-AF65-F5344CB8AC3E}">
-        <p14:creationId xmlns:p14="http://schemas.microsoft.com/office/powerpoint/2010/main" val="2324227421"/>
+        <p14:creationId xmlns:p14="http://schemas.microsoft.com/office/powerpoint/2010/main" val="2390523939"/>
       </p:ext>
     </p:extLst>
   </p:cSld>
@@ -3934,42 +4123,68 @@
           <a:p>
             <a:pPr algn="l"/>
             <a:r>
+              <a:rPr lang="en-US" b="1" dirty="0"/>
+              <a:t>Scenario 1</a:t>
+            </a:r>
+          </a:p>
+        </p:txBody>
+      </p:sp>
+      <p:sp>
+        <p:nvSpPr>
+          <p:cNvPr id="3" name="Subtitle 2">
+            <a:extLst>
+              <a:ext uri="{FF2B5EF4-FFF2-40B4-BE49-F238E27FC236}">
+                <a16:creationId xmlns:a16="http://schemas.microsoft.com/office/drawing/2014/main" id="{9D966A69-DEDE-2941-9B3C-9B1662942EC2}"/>
+              </a:ext>
+            </a:extLst>
+          </p:cNvPr>
+          <p:cNvSpPr>
+            <a:spLocks noGrp="1"/>
+          </p:cNvSpPr>
+          <p:nvPr>
+            <p:ph type="subTitle" idx="1"/>
+          </p:nvPr>
+        </p:nvSpPr>
+        <p:spPr/>
+        <p:txBody>
+          <a:bodyPr/>
+          <a:lstStyle/>
+          <a:p>
+            <a:pPr algn="l"/>
+            <a:r>
               <a:rPr lang="en-US" dirty="0"/>
-              <a:t>TODOS: (Find out the following)</a:t>
-            </a:r>
-          </a:p>
-        </p:txBody>
-      </p:sp>
-      <p:sp>
-        <p:nvSpPr>
-          <p:cNvPr id="3" name="Subtitle 2">
-            <a:extLst>
-              <a:ext uri="{FF2B5EF4-FFF2-40B4-BE49-F238E27FC236}">
-                <a16:creationId xmlns:a16="http://schemas.microsoft.com/office/drawing/2014/main" id="{9D966A69-DEDE-2941-9B3C-9B1662942EC2}"/>
-              </a:ext>
-            </a:extLst>
-          </p:cNvPr>
-          <p:cNvSpPr>
-            <a:spLocks noGrp="1"/>
-          </p:cNvSpPr>
-          <p:nvPr>
-            <p:ph type="subTitle" idx="1"/>
-          </p:nvPr>
-        </p:nvSpPr>
-        <p:spPr/>
-        <p:txBody>
-          <a:bodyPr/>
-          <a:lstStyle/>
+              <a:t>If new rate is released on 3</a:t>
+            </a:r>
+            <a:r>
+              <a:rPr lang="en-US" baseline="30000" dirty="0"/>
+              <a:t>rd</a:t>
+            </a:r>
+            <a:r>
+              <a:rPr lang="en-US" dirty="0"/>
+              <a:t> Aug while the effective rate of the new rate is immediately effective and the Policy Effective Date is on 1</a:t>
+            </a:r>
+            <a:r>
+              <a:rPr lang="en-US" baseline="30000" dirty="0"/>
+              <a:t>st</a:t>
+            </a:r>
+            <a:r>
+              <a:rPr lang="en-US" dirty="0"/>
+              <a:t> Sept</a:t>
+            </a:r>
+          </a:p>
           <a:p>
             <a:pPr algn="l"/>
-            <a:endParaRPr lang="en-US" dirty="0"/>
+            <a:r>
+              <a:rPr lang="en-US" i="1" dirty="0"/>
+              <a:t>- Then IPS should use the new rate to generate proposal.</a:t>
+            </a:r>
           </a:p>
         </p:txBody>
       </p:sp>
     </p:spTree>
     <p:extLst>
       <p:ext uri="{BB962C8B-B14F-4D97-AF65-F5344CB8AC3E}">
-        <p14:creationId xmlns:p14="http://schemas.microsoft.com/office/powerpoint/2010/main" val="2390523939"/>
+        <p14:creationId xmlns:p14="http://schemas.microsoft.com/office/powerpoint/2010/main" val="4278888391"/>
       </p:ext>
     </p:extLst>
   </p:cSld>
@@ -4019,42 +4234,68 @@
           <a:p>
             <a:pPr algn="l"/>
             <a:r>
+              <a:rPr lang="en-US" b="1" dirty="0"/>
+              <a:t>Scenario 2</a:t>
+            </a:r>
+          </a:p>
+        </p:txBody>
+      </p:sp>
+      <p:sp>
+        <p:nvSpPr>
+          <p:cNvPr id="3" name="Subtitle 2">
+            <a:extLst>
+              <a:ext uri="{FF2B5EF4-FFF2-40B4-BE49-F238E27FC236}">
+                <a16:creationId xmlns:a16="http://schemas.microsoft.com/office/drawing/2014/main" id="{9D966A69-DEDE-2941-9B3C-9B1662942EC2}"/>
+              </a:ext>
+            </a:extLst>
+          </p:cNvPr>
+          <p:cNvSpPr>
+            <a:spLocks noGrp="1"/>
+          </p:cNvSpPr>
+          <p:nvPr>
+            <p:ph type="subTitle" idx="1"/>
+          </p:nvPr>
+        </p:nvSpPr>
+        <p:spPr/>
+        <p:txBody>
+          <a:bodyPr/>
+          <a:lstStyle/>
+          <a:p>
+            <a:pPr algn="l"/>
+            <a:r>
               <a:rPr lang="en-US" dirty="0"/>
-              <a:t>TODOS: (Find out the following)</a:t>
-            </a:r>
-          </a:p>
-        </p:txBody>
-      </p:sp>
-      <p:sp>
-        <p:nvSpPr>
-          <p:cNvPr id="3" name="Subtitle 2">
-            <a:extLst>
-              <a:ext uri="{FF2B5EF4-FFF2-40B4-BE49-F238E27FC236}">
-                <a16:creationId xmlns:a16="http://schemas.microsoft.com/office/drawing/2014/main" id="{9D966A69-DEDE-2941-9B3C-9B1662942EC2}"/>
-              </a:ext>
-            </a:extLst>
-          </p:cNvPr>
-          <p:cNvSpPr>
-            <a:spLocks noGrp="1"/>
-          </p:cNvSpPr>
-          <p:nvPr>
-            <p:ph type="subTitle" idx="1"/>
-          </p:nvPr>
-        </p:nvSpPr>
-        <p:spPr/>
-        <p:txBody>
-          <a:bodyPr/>
-          <a:lstStyle/>
+              <a:t>If new rate is released on 3</a:t>
+            </a:r>
+            <a:r>
+              <a:rPr lang="en-US" baseline="30000" dirty="0"/>
+              <a:t>rd</a:t>
+            </a:r>
+            <a:r>
+              <a:rPr lang="en-US" dirty="0"/>
+              <a:t> Aug while the effective rate of the new rate is immediately effective and the Policy Effective Date is on 1</a:t>
+            </a:r>
+            <a:r>
+              <a:rPr lang="en-US" baseline="30000" dirty="0"/>
+              <a:t>st</a:t>
+            </a:r>
+            <a:r>
+              <a:rPr lang="en-US" dirty="0"/>
+              <a:t> Sept</a:t>
+            </a:r>
+          </a:p>
           <a:p>
             <a:pPr algn="l"/>
-            <a:endParaRPr lang="en-US" dirty="0"/>
+            <a:r>
+              <a:rPr lang="en-US" i="1" dirty="0"/>
+              <a:t>- Then IPS should use the new rate to generate proposal.</a:t>
+            </a:r>
           </a:p>
         </p:txBody>
       </p:sp>
     </p:spTree>
     <p:extLst>
       <p:ext uri="{BB962C8B-B14F-4D97-AF65-F5344CB8AC3E}">
-        <p14:creationId xmlns:p14="http://schemas.microsoft.com/office/powerpoint/2010/main" val="4278888391"/>
+        <p14:creationId xmlns:p14="http://schemas.microsoft.com/office/powerpoint/2010/main" val="3531596381"/>
       </p:ext>
     </p:extLst>
   </p:cSld>
@@ -4097,10 +4338,121 @@
             <p:ph type="ctrTitle"/>
           </p:nvPr>
         </p:nvSpPr>
+        <p:spPr/>
+        <p:txBody>
+          <a:bodyPr/>
+          <a:lstStyle/>
+          <a:p>
+            <a:pPr algn="l"/>
+            <a:r>
+              <a:rPr lang="en-US" b="1" dirty="0"/>
+              <a:t>Scenario 1</a:t>
+            </a:r>
+          </a:p>
+        </p:txBody>
+      </p:sp>
+      <p:sp>
+        <p:nvSpPr>
+          <p:cNvPr id="3" name="Subtitle 2">
+            <a:extLst>
+              <a:ext uri="{FF2B5EF4-FFF2-40B4-BE49-F238E27FC236}">
+                <a16:creationId xmlns:a16="http://schemas.microsoft.com/office/drawing/2014/main" id="{9D966A69-DEDE-2941-9B3C-9B1662942EC2}"/>
+              </a:ext>
+            </a:extLst>
+          </p:cNvPr>
+          <p:cNvSpPr>
+            <a:spLocks noGrp="1"/>
+          </p:cNvSpPr>
+          <p:nvPr>
+            <p:ph type="subTitle" idx="1"/>
+          </p:nvPr>
+        </p:nvSpPr>
+        <p:spPr/>
+        <p:txBody>
+          <a:bodyPr/>
+          <a:lstStyle/>
+          <a:p>
+            <a:pPr algn="l"/>
+            <a:r>
+              <a:rPr lang="en-US" dirty="0"/>
+              <a:t>If new rate is released on 3</a:t>
+            </a:r>
+            <a:r>
+              <a:rPr lang="en-US" baseline="30000" dirty="0"/>
+              <a:t>rd</a:t>
+            </a:r>
+            <a:r>
+              <a:rPr lang="en-US" dirty="0"/>
+              <a:t> Aug while the effective rate of the new rate is immediately effective and the Policy Effective Date is on 1</a:t>
+            </a:r>
+            <a:r>
+              <a:rPr lang="en-US" baseline="30000" dirty="0"/>
+              <a:t>st</a:t>
+            </a:r>
+            <a:r>
+              <a:rPr lang="en-US" dirty="0"/>
+              <a:t> Sept</a:t>
+            </a:r>
+          </a:p>
+          <a:p>
+            <a:pPr algn="l"/>
+            <a:r>
+              <a:rPr lang="en-US" i="1" dirty="0"/>
+              <a:t>- Then IPS should use the new rate to generate proposal.</a:t>
+            </a:r>
+          </a:p>
+        </p:txBody>
+      </p:sp>
+    </p:spTree>
+    <p:extLst>
+      <p:ext uri="{BB962C8B-B14F-4D97-AF65-F5344CB8AC3E}">
+        <p14:creationId xmlns:p14="http://schemas.microsoft.com/office/powerpoint/2010/main" val="118582742"/>
+      </p:ext>
+    </p:extLst>
+  </p:cSld>
+  <p:clrMapOvr>
+    <a:masterClrMapping/>
+  </p:clrMapOvr>
+</p:sld>
+</file>
+
+<file path=ppt/slides/slide9.xml><?xml version="1.0" encoding="utf-8"?>
+<p:sld xmlns:a="http://schemas.openxmlformats.org/drawingml/2006/main" xmlns:r="http://schemas.openxmlformats.org/officeDocument/2006/relationships" xmlns:p="http://schemas.openxmlformats.org/presentationml/2006/main">
+  <p:cSld>
+    <p:spTree>
+      <p:nvGrpSpPr>
+        <p:cNvPr id="1" name=""/>
+        <p:cNvGrpSpPr/>
+        <p:nvPr/>
+      </p:nvGrpSpPr>
+      <p:grpSpPr>
+        <a:xfrm>
+          <a:off x="0" y="0"/>
+          <a:ext cx="0" cy="0"/>
+          <a:chOff x="0" y="0"/>
+          <a:chExt cx="0" cy="0"/>
+        </a:xfrm>
+      </p:grpSpPr>
+      <p:sp>
+        <p:nvSpPr>
+          <p:cNvPr id="2" name="Title 1">
+            <a:extLst>
+              <a:ext uri="{FF2B5EF4-FFF2-40B4-BE49-F238E27FC236}">
+                <a16:creationId xmlns:a16="http://schemas.microsoft.com/office/drawing/2014/main" id="{8E2F31EB-6EFA-4D4E-B2CE-86C36550C8C4}"/>
+              </a:ext>
+            </a:extLst>
+          </p:cNvPr>
+          <p:cNvSpPr>
+            <a:spLocks noGrp="1"/>
+          </p:cNvSpPr>
+          <p:nvPr>
+            <p:ph type="ctrTitle"/>
+          </p:nvPr>
+        </p:nvSpPr>
         <p:spPr>
           <a:xfrm>
             <a:off x="1524000" y="1122363"/>
-            <a:ext cx="2184971" cy="346841"/>
+            <a:ext cx="7774112" cy="346841"/>
           </a:xfrm>
         </p:spPr>
         <p:txBody>
@@ -4109,9 +4461,10 @@
           </a:bodyPr>
           <a:lstStyle/>
           <a:p>
-            <a:r>
-              <a:rPr lang="en-US" sz="2000" dirty="0"/>
-              <a:t>Changes Proposed</a:t>
+            <a:pPr algn="l"/>
+            <a:r>
+              <a:rPr lang="en-US" sz="2000" b="1" dirty="0"/>
+              <a:t>Calculation – The following dictates what rate set that a quotation should use</a:t>
             </a:r>
           </a:p>
         </p:txBody>
@@ -4132,11 +4485,79 @@
             <p:ph type="subTitle" idx="1"/>
           </p:nvPr>
         </p:nvSpPr>
-        <p:spPr/>
-        <p:txBody>
-          <a:bodyPr/>
-          <a:lstStyle/>
-          <a:p>
+        <p:spPr>
+          <a:xfrm>
+            <a:off x="1524000" y="1423918"/>
+            <a:ext cx="9144000" cy="1655762"/>
+          </a:xfrm>
+        </p:spPr>
+        <p:txBody>
+          <a:bodyPr>
+            <a:normAutofit fontScale="70000" lnSpcReduction="20000"/>
+          </a:bodyPr>
+          <a:lstStyle/>
+          <a:p>
+            <a:pPr marL="457200" indent="-457200" algn="l">
+              <a:buAutoNum type="arabicPeriod"/>
+            </a:pPr>
+            <a:r>
+              <a:rPr lang="en-US" dirty="0"/>
+              <a:t>The Quotation date dictates which rate set that the quotation should use. How?</a:t>
+            </a:r>
+          </a:p>
+          <a:p>
+            <a:pPr marL="457200" indent="-457200" algn="l">
+              <a:buAutoNum type="arabicPeriod"/>
+            </a:pPr>
+            <a:r>
+              <a:rPr lang="en-US" dirty="0"/>
+              <a:t>Then, the Policy Effective Date and Parameters of the quotation will have a rate retrieved.</a:t>
+            </a:r>
+          </a:p>
+          <a:p>
+            <a:pPr marL="914400" lvl="1" indent="-457200" algn="l">
+              <a:buFont typeface="+mj-lt"/>
+              <a:buAutoNum type="alphaLcPeriod"/>
+            </a:pPr>
+            <a:r>
+              <a:rPr lang="en-US" dirty="0"/>
+              <a:t>Parameters about the quotation means (Payment Method, Policy Year)</a:t>
+            </a:r>
+          </a:p>
+          <a:p>
+            <a:pPr marL="914400" lvl="1" indent="-457200" algn="l">
+              <a:buFont typeface="+mj-lt"/>
+              <a:buAutoNum type="alphaLcPeriod"/>
+            </a:pPr>
+            <a:r>
+              <a:rPr lang="en-US" dirty="0"/>
+              <a:t>Whether the Policy Effective Date is within the effective from and to of the associated rate. </a:t>
+            </a:r>
+          </a:p>
+          <a:p>
+            <a:pPr marL="457200" indent="-457200" algn="l">
+              <a:buFont typeface="Arial" panose="020B0604020202020204" pitchFamily="34" charset="0"/>
+              <a:buAutoNum type="arabicPeriod"/>
+            </a:pPr>
+            <a:r>
+              <a:rPr lang="en-US" dirty="0"/>
+              <a:t>d</a:t>
+            </a:r>
+          </a:p>
+          <a:p>
+            <a:pPr marL="457200" indent="-457200" algn="l">
+              <a:buFont typeface="Arial" panose="020B0604020202020204" pitchFamily="34" charset="0"/>
+              <a:buAutoNum type="arabicPeriod"/>
+            </a:pPr>
+            <a:r>
+              <a:rPr lang="en-US" dirty="0"/>
+              <a:t> </a:t>
+            </a:r>
+          </a:p>
+          <a:p>
+            <a:pPr marL="457200" indent="-457200" algn="l">
+              <a:buAutoNum type="arabicPeriod"/>
+            </a:pPr>
             <a:endParaRPr lang="en-US" dirty="0"/>
           </a:p>
         </p:txBody>
